--- a/11주차/깊이너비탐색이랑완전탐색이랑이진탐색.pptx
+++ b/11주차/깊이너비탐색이랑완전탐색이랑이진탐색.pptx
@@ -1717,8 +1717,16 @@
             </a:lnSpc>
           </a:pPr>
           <a:r>
+            <a:rPr lang="ko-KR" altLang="en-US" b="1" i="0" dirty="0">
+              <a:solidFill>
+                <a:srgbClr val="FF0000"/>
+              </a:solidFill>
+            </a:rPr>
+            <a:t>데이터가 정렬</a:t>
+          </a:r>
+          <a:r>
             <a:rPr lang="ko-KR" altLang="en-US" b="0" i="0" dirty="0"/>
-            <a:t>데이터가 정렬돼 있는 배열에서 특정한 값을 찾아냄</a:t>
+            <a:t>돼 있는 배열에서 특정한 값을 찾아냄</a:t>
           </a:r>
           <a:endParaRPr lang="en-US" dirty="0"/>
         </a:p>
@@ -2462,8 +2470,16 @@
             <a:buNone/>
           </a:pPr>
           <a:r>
+            <a:rPr lang="ko-KR" altLang="en-US" sz="2300" b="1" i="0" kern="1200" dirty="0">
+              <a:solidFill>
+                <a:srgbClr val="FF0000"/>
+              </a:solidFill>
+            </a:rPr>
+            <a:t>데이터가 정렬</a:t>
+          </a:r>
+          <a:r>
             <a:rPr lang="ko-KR" altLang="en-US" sz="2300" b="0" i="0" kern="1200" dirty="0"/>
-            <a:t>데이터가 정렬돼 있는 배열에서 특정한 값을 찾아냄</a:t>
+            <a:t>돼 있는 배열에서 특정한 값을 찾아냄</a:t>
           </a:r>
           <a:endParaRPr lang="en-US" sz="2300" kern="1200" dirty="0"/>
         </a:p>
@@ -5945,7 +5961,7 @@
           <a:p>
             <a:fld id="{317A8FFB-BE52-496B-8173-A84F6C79BC12}" type="datetimeFigureOut">
               <a:rPr lang="ko-KR" altLang="en-US" smtClean="0"/>
-              <a:t>2020-01-19</a:t>
+              <a:t>2020-01-28</a:t>
             </a:fld>
             <a:endParaRPr lang="ko-KR" altLang="en-US"/>
           </a:p>
@@ -6143,7 +6159,7 @@
           <a:p>
             <a:fld id="{317A8FFB-BE52-496B-8173-A84F6C79BC12}" type="datetimeFigureOut">
               <a:rPr lang="ko-KR" altLang="en-US" smtClean="0"/>
-              <a:t>2020-01-19</a:t>
+              <a:t>2020-01-28</a:t>
             </a:fld>
             <a:endParaRPr lang="ko-KR" altLang="en-US"/>
           </a:p>
@@ -6351,7 +6367,7 @@
           <a:p>
             <a:fld id="{317A8FFB-BE52-496B-8173-A84F6C79BC12}" type="datetimeFigureOut">
               <a:rPr lang="ko-KR" altLang="en-US" smtClean="0"/>
-              <a:t>2020-01-19</a:t>
+              <a:t>2020-01-28</a:t>
             </a:fld>
             <a:endParaRPr lang="ko-KR" altLang="en-US"/>
           </a:p>
@@ -6549,7 +6565,7 @@
           <a:p>
             <a:fld id="{317A8FFB-BE52-496B-8173-A84F6C79BC12}" type="datetimeFigureOut">
               <a:rPr lang="ko-KR" altLang="en-US" smtClean="0"/>
-              <a:t>2020-01-19</a:t>
+              <a:t>2020-01-28</a:t>
             </a:fld>
             <a:endParaRPr lang="ko-KR" altLang="en-US"/>
           </a:p>
@@ -6824,7 +6840,7 @@
           <a:p>
             <a:fld id="{317A8FFB-BE52-496B-8173-A84F6C79BC12}" type="datetimeFigureOut">
               <a:rPr lang="ko-KR" altLang="en-US" smtClean="0"/>
-              <a:t>2020-01-19</a:t>
+              <a:t>2020-01-28</a:t>
             </a:fld>
             <a:endParaRPr lang="ko-KR" altLang="en-US"/>
           </a:p>
@@ -7089,7 +7105,7 @@
           <a:p>
             <a:fld id="{317A8FFB-BE52-496B-8173-A84F6C79BC12}" type="datetimeFigureOut">
               <a:rPr lang="ko-KR" altLang="en-US" smtClean="0"/>
-              <a:t>2020-01-19</a:t>
+              <a:t>2020-01-28</a:t>
             </a:fld>
             <a:endParaRPr lang="ko-KR" altLang="en-US"/>
           </a:p>
@@ -7501,7 +7517,7 @@
           <a:p>
             <a:fld id="{317A8FFB-BE52-496B-8173-A84F6C79BC12}" type="datetimeFigureOut">
               <a:rPr lang="ko-KR" altLang="en-US" smtClean="0"/>
-              <a:t>2020-01-19</a:t>
+              <a:t>2020-01-28</a:t>
             </a:fld>
             <a:endParaRPr lang="ko-KR" altLang="en-US"/>
           </a:p>
@@ -7642,7 +7658,7 @@
           <a:p>
             <a:fld id="{317A8FFB-BE52-496B-8173-A84F6C79BC12}" type="datetimeFigureOut">
               <a:rPr lang="ko-KR" altLang="en-US" smtClean="0"/>
-              <a:t>2020-01-19</a:t>
+              <a:t>2020-01-28</a:t>
             </a:fld>
             <a:endParaRPr lang="ko-KR" altLang="en-US"/>
           </a:p>
@@ -7755,7 +7771,7 @@
           <a:p>
             <a:fld id="{317A8FFB-BE52-496B-8173-A84F6C79BC12}" type="datetimeFigureOut">
               <a:rPr lang="ko-KR" altLang="en-US" smtClean="0"/>
-              <a:t>2020-01-19</a:t>
+              <a:t>2020-01-28</a:t>
             </a:fld>
             <a:endParaRPr lang="ko-KR" altLang="en-US"/>
           </a:p>
@@ -8066,7 +8082,7 @@
           <a:p>
             <a:fld id="{317A8FFB-BE52-496B-8173-A84F6C79BC12}" type="datetimeFigureOut">
               <a:rPr lang="ko-KR" altLang="en-US" smtClean="0"/>
-              <a:t>2020-01-19</a:t>
+              <a:t>2020-01-28</a:t>
             </a:fld>
             <a:endParaRPr lang="ko-KR" altLang="en-US"/>
           </a:p>
@@ -8354,7 +8370,7 @@
           <a:p>
             <a:fld id="{317A8FFB-BE52-496B-8173-A84F6C79BC12}" type="datetimeFigureOut">
               <a:rPr lang="ko-KR" altLang="en-US" smtClean="0"/>
-              <a:t>2020-01-19</a:t>
+              <a:t>2020-01-28</a:t>
             </a:fld>
             <a:endParaRPr lang="ko-KR" altLang="en-US"/>
           </a:p>
@@ -8595,7 +8611,7 @@
           <a:p>
             <a:fld id="{317A8FFB-BE52-496B-8173-A84F6C79BC12}" type="datetimeFigureOut">
               <a:rPr lang="ko-KR" altLang="en-US" smtClean="0"/>
-              <a:t>2020-01-19</a:t>
+              <a:t>2020-01-28</a:t>
             </a:fld>
             <a:endParaRPr lang="ko-KR" altLang="en-US"/>
           </a:p>
@@ -10703,10 +10719,12 @@
           </a:bodyPr>
           <a:lstStyle/>
           <a:p>
+            <a:pPr algn="l"/>
             <a:r>
               <a:rPr lang="ko-KR" altLang="en-US" dirty="0"/>
               <a:t>이분 탐색</a:t>
             </a:r>
+            <a:endParaRPr lang="ko-KR" altLang="en-US"/>
           </a:p>
         </p:txBody>
       </p:sp>
@@ -10745,7 +10763,7 @@
       </p:sp>
       <p:sp>
         <p:nvSpPr>
-          <p:cNvPr id="4100" name="Freeform: Shape 70">
+          <p:cNvPr id="73" name="Freeform: Shape 72">
             <a:extLst>
               <a:ext uri="{FF2B5EF4-FFF2-40B4-BE49-F238E27FC236}">
                 <a16:creationId xmlns:a16="http://schemas.microsoft.com/office/drawing/2014/main" id="{1DB7C82F-AB7E-4F0C-B829-FA1B9C415180}"/>
@@ -10912,15 +10930,15 @@
       </p:sp>
       <p:pic>
         <p:nvPicPr>
-          <p:cNvPr id="6" name="Picture 4" descr="go언어에 대한 이미지 검색결과">
+          <p:cNvPr id="5" name="그림 4" descr="남자, 사람, 여자, 버스이(가) 표시된 사진&#10;&#10;자동 생성된 설명">
             <a:extLst>
               <a:ext uri="{FF2B5EF4-FFF2-40B4-BE49-F238E27FC236}">
-                <a16:creationId xmlns:a16="http://schemas.microsoft.com/office/drawing/2014/main" id="{FD756773-2854-4F31-A257-1C7D32943289}"/>
+                <a16:creationId xmlns:a16="http://schemas.microsoft.com/office/drawing/2014/main" id="{673A40FD-40DB-4688-99EE-75C6EBFE27CB}"/>
               </a:ext>
             </a:extLst>
           </p:cNvPr>
           <p:cNvPicPr>
-            <a:picLocks noChangeAspect="1" noChangeArrowheads="1"/>
+            <a:picLocks noChangeAspect="1"/>
           </p:cNvPicPr>
           <p:nvPr/>
         </p:nvPicPr>
@@ -10932,10 +10950,10 @@
               </a:ext>
             </a:extLst>
           </a:blip>
-          <a:srcRect l="14144" r="25465" b="-1"/>
+          <a:srcRect l="9296" r="2863"/>
           <a:stretch/>
         </p:blipFill>
-        <p:spPr bwMode="auto">
+        <p:spPr>
           <a:xfrm>
             <a:off x="20" y="10"/>
             <a:ext cx="6024134" cy="6857990"/>
@@ -11014,16 +11032,6 @@
               </a:path>
             </a:pathLst>
           </a:custGeom>
-          <a:noFill/>
-          <a:extLst>
-            <a:ext uri="{909E8E84-426E-40DD-AFC4-6F175D3DCCD1}">
-              <a14:hiddenFill xmlns:a14="http://schemas.microsoft.com/office/drawing/2010/main">
-                <a:solidFill>
-                  <a:srgbClr val="FFFFFF"/>
-                </a:solidFill>
-              </a14:hiddenFill>
-            </a:ext>
-          </a:extLst>
         </p:spPr>
       </p:pic>
     </p:spTree>
@@ -11613,7 +11621,7 @@
             <p:ph idx="1"/>
             <p:extLst>
               <p:ext uri="{D42A27DB-BD31-4B8C-83A1-F6EECF244321}">
-                <p14:modId xmlns:p14="http://schemas.microsoft.com/office/powerpoint/2010/main" val="3224524611"/>
+                <p14:modId xmlns:p14="http://schemas.microsoft.com/office/powerpoint/2010/main" val="585883190"/>
               </p:ext>
             </p:extLst>
           </p:nvPr>

--- a/11주차/깊이너비탐색이랑완전탐색이랑이진탐색.pptx
+++ b/11주차/깊이너비탐색이랑완전탐색이랑이진탐색.pptx
@@ -9961,7 +9961,7 @@
                   <a:srgbClr val="FFFFFF"/>
                 </a:solidFill>
               </a:rPr>
-              <a:t>?</a:t>
+              <a:t>!</a:t>
             </a:r>
             <a:endParaRPr lang="ko-KR" altLang="en-US" dirty="0">
               <a:solidFill>
